--- a/产品/区块链介绍.pptx
+++ b/产品/区块链介绍.pptx
@@ -198,7 +198,7 @@
           <a:p>
             <a:fld id="{F0702A90-1C87-7842-9E64-5E606BB55185}" type="datetimeFigureOut">
               <a:rPr kumimoji="1" lang="zh-CN" altLang="en-US" smtClean="0"/>
-              <a:t>17/5/10</a:t>
+              <a:t>17/5/15</a:t>
             </a:fld>
             <a:endParaRPr kumimoji="1" lang="zh-CN" altLang="en-US"/>
           </a:p>
@@ -687,7 +687,7 @@
           <a:p>
             <a:fld id="{7EB15CF7-24D1-494E-BA58-875CD1CEAB1B}" type="datetimeFigureOut">
               <a:rPr kumimoji="1" lang="zh-CN" altLang="en-US" smtClean="0"/>
-              <a:t>17/5/10</a:t>
+              <a:t>17/5/15</a:t>
             </a:fld>
             <a:endParaRPr kumimoji="1" lang="zh-CN" altLang="en-US"/>
           </a:p>
@@ -1019,7 +1019,7 @@
           <a:p>
             <a:fld id="{7EB15CF7-24D1-494E-BA58-875CD1CEAB1B}" type="datetimeFigureOut">
               <a:rPr kumimoji="1" lang="zh-CN" altLang="en-US" smtClean="0"/>
-              <a:t>17/5/10</a:t>
+              <a:t>17/5/15</a:t>
             </a:fld>
             <a:endParaRPr kumimoji="1" lang="zh-CN" altLang="en-US"/>
           </a:p>
@@ -1351,7 +1351,7 @@
           <a:p>
             <a:fld id="{7EB15CF7-24D1-494E-BA58-875CD1CEAB1B}" type="datetimeFigureOut">
               <a:rPr kumimoji="1" lang="zh-CN" altLang="en-US" smtClean="0"/>
-              <a:t>17/5/10</a:t>
+              <a:t>17/5/15</a:t>
             </a:fld>
             <a:endParaRPr kumimoji="1" lang="zh-CN" altLang="en-US"/>
           </a:p>
@@ -1683,7 +1683,7 @@
           <a:p>
             <a:fld id="{7EB15CF7-24D1-494E-BA58-875CD1CEAB1B}" type="datetimeFigureOut">
               <a:rPr kumimoji="1" lang="zh-CN" altLang="en-US" smtClean="0"/>
-              <a:t>17/5/10</a:t>
+              <a:t>17/5/15</a:t>
             </a:fld>
             <a:endParaRPr kumimoji="1" lang="zh-CN" altLang="en-US"/>
           </a:p>
@@ -2372,7 +2372,7 @@
           <a:p>
             <a:fld id="{7EB15CF7-24D1-494E-BA58-875CD1CEAB1B}" type="datetimeFigureOut">
               <a:rPr kumimoji="1" lang="zh-CN" altLang="en-US" smtClean="0"/>
-              <a:t>17/5/10</a:t>
+              <a:t>17/5/15</a:t>
             </a:fld>
             <a:endParaRPr kumimoji="1" lang="zh-CN" altLang="en-US"/>
           </a:p>
@@ -2551,7 +2551,7 @@
           <a:p>
             <a:fld id="{7EB15CF7-24D1-494E-BA58-875CD1CEAB1B}" type="datetimeFigureOut">
               <a:rPr kumimoji="1" lang="zh-CN" altLang="en-US" smtClean="0"/>
-              <a:t>17/5/10</a:t>
+              <a:t>17/5/15</a:t>
             </a:fld>
             <a:endParaRPr kumimoji="1" lang="zh-CN" altLang="en-US"/>
           </a:p>
@@ -2725,7 +2725,7 @@
           <a:p>
             <a:fld id="{7EB15CF7-24D1-494E-BA58-875CD1CEAB1B}" type="datetimeFigureOut">
               <a:rPr kumimoji="1" lang="zh-CN" altLang="en-US" smtClean="0"/>
-              <a:t>17/5/10</a:t>
+              <a:t>17/5/15</a:t>
             </a:fld>
             <a:endParaRPr kumimoji="1" lang="zh-CN" altLang="en-US"/>
           </a:p>
@@ -2973,7 +2973,7 @@
           <a:p>
             <a:fld id="{7EB15CF7-24D1-494E-BA58-875CD1CEAB1B}" type="datetimeFigureOut">
               <a:rPr kumimoji="1" lang="zh-CN" altLang="en-US" smtClean="0"/>
-              <a:t>17/5/10</a:t>
+              <a:t>17/5/15</a:t>
             </a:fld>
             <a:endParaRPr kumimoji="1" lang="zh-CN" altLang="en-US"/>
           </a:p>
@@ -3303,7 +3303,7 @@
           <a:p>
             <a:fld id="{7EB15CF7-24D1-494E-BA58-875CD1CEAB1B}" type="datetimeFigureOut">
               <a:rPr kumimoji="1" lang="zh-CN" altLang="en-US" smtClean="0"/>
-              <a:t>17/5/10</a:t>
+              <a:t>17/5/15</a:t>
             </a:fld>
             <a:endParaRPr kumimoji="1" lang="zh-CN" altLang="en-US"/>
           </a:p>
@@ -3595,7 +3595,7 @@
           <a:p>
             <a:fld id="{7EB15CF7-24D1-494E-BA58-875CD1CEAB1B}" type="datetimeFigureOut">
               <a:rPr kumimoji="1" lang="zh-CN" altLang="en-US" smtClean="0"/>
-              <a:t>17/5/10</a:t>
+              <a:t>17/5/15</a:t>
             </a:fld>
             <a:endParaRPr kumimoji="1" lang="zh-CN" altLang="en-US"/>
           </a:p>
@@ -4031,7 +4031,7 @@
           <a:p>
             <a:fld id="{7EB15CF7-24D1-494E-BA58-875CD1CEAB1B}" type="datetimeFigureOut">
               <a:rPr kumimoji="1" lang="zh-CN" altLang="en-US" smtClean="0"/>
-              <a:t>17/5/10</a:t>
+              <a:t>17/5/15</a:t>
             </a:fld>
             <a:endParaRPr kumimoji="1" lang="zh-CN" altLang="en-US"/>
           </a:p>
@@ -4218,7 +4218,7 @@
           <a:p>
             <a:fld id="{7EB15CF7-24D1-494E-BA58-875CD1CEAB1B}" type="datetimeFigureOut">
               <a:rPr kumimoji="1" lang="zh-CN" altLang="en-US" smtClean="0"/>
-              <a:t>17/5/10</a:t>
+              <a:t>17/5/15</a:t>
             </a:fld>
             <a:endParaRPr kumimoji="1" lang="zh-CN" altLang="en-US"/>
           </a:p>
@@ -4308,7 +4308,7 @@
           <a:p>
             <a:fld id="{7EB15CF7-24D1-494E-BA58-875CD1CEAB1B}" type="datetimeFigureOut">
               <a:rPr kumimoji="1" lang="zh-CN" altLang="en-US" smtClean="0"/>
-              <a:t>17/5/10</a:t>
+              <a:t>17/5/15</a:t>
             </a:fld>
             <a:endParaRPr kumimoji="1" lang="zh-CN" altLang="en-US"/>
           </a:p>
@@ -4589,7 +4589,7 @@
           <a:p>
             <a:fld id="{7EB15CF7-24D1-494E-BA58-875CD1CEAB1B}" type="datetimeFigureOut">
               <a:rPr kumimoji="1" lang="zh-CN" altLang="en-US" smtClean="0"/>
-              <a:t>17/5/10</a:t>
+              <a:t>17/5/15</a:t>
             </a:fld>
             <a:endParaRPr kumimoji="1" lang="zh-CN" altLang="en-US"/>
           </a:p>
@@ -4804,7 +4804,7 @@
           <a:p>
             <a:fld id="{7EB15CF7-24D1-494E-BA58-875CD1CEAB1B}" type="datetimeFigureOut">
               <a:rPr kumimoji="1" lang="zh-CN" altLang="en-US" smtClean="0"/>
-              <a:t>17/5/10</a:t>
+              <a:t>17/5/15</a:t>
             </a:fld>
             <a:endParaRPr kumimoji="1" lang="zh-CN" altLang="en-US"/>
           </a:p>
@@ -5983,8 +5983,8 @@
         </p:blipFill>
         <p:spPr>
           <a:xfrm>
-            <a:off x="723900" y="1739900"/>
-            <a:ext cx="7645400" cy="4330700"/>
+            <a:off x="723900" y="2099592"/>
+            <a:ext cx="7010400" cy="3971007"/>
           </a:xfrm>
           <a:prstGeom prst="rect">
             <a:avLst/>
